--- a/ecs36b_f2022_L005_midterm.pptx
+++ b/ecs36b_f2022_L005_midterm.pptx
@@ -5,10 +5,10 @@
     <p:sldMasterId id="2147483648" r:id="rId1"/>
   </p:sldMasterIdLst>
   <p:notesMasterIdLst>
-    <p:notesMasterId r:id="rId16"/>
+    <p:notesMasterId r:id="rId17"/>
   </p:notesMasterIdLst>
   <p:handoutMasterIdLst>
-    <p:handoutMasterId r:id="rId17"/>
+    <p:handoutMasterId r:id="rId18"/>
   </p:handoutMasterIdLst>
   <p:sldIdLst>
     <p:sldId id="256" r:id="rId2"/>
@@ -24,7 +24,8 @@
     <p:sldId id="1238" r:id="rId12"/>
     <p:sldId id="1240" r:id="rId13"/>
     <p:sldId id="1241" r:id="rId14"/>
-    <p:sldId id="1239" r:id="rId15"/>
+    <p:sldId id="1242" r:id="rId15"/>
+    <p:sldId id="1239" r:id="rId16"/>
   </p:sldIdLst>
   <p:sldSz cx="9144000" cy="6858000" type="screen4x3"/>
   <p:notesSz cx="7315200" cy="9601200"/>
@@ -1075,7 +1076,7 @@
               <a:pPr>
                 <a:defRPr/>
               </a:pPr>
-              <a:t>10/19/22</a:t>
+              <a:t>11/4/22</a:t>
             </a:fld>
             <a:endParaRPr lang="en-US"/>
           </a:p>
@@ -1293,7 +1294,7 @@
               <a:pPr>
                 <a:defRPr/>
               </a:pPr>
-              <a:t>10/19/22</a:t>
+              <a:t>11/4/22</a:t>
             </a:fld>
             <a:endParaRPr lang="en-US"/>
           </a:p>
@@ -1521,7 +1522,7 @@
               <a:pPr>
                 <a:defRPr/>
               </a:pPr>
-              <a:t>10/19/22</a:t>
+              <a:t>11/4/22</a:t>
             </a:fld>
             <a:endParaRPr lang="en-US"/>
           </a:p>
@@ -1739,7 +1740,7 @@
               <a:pPr>
                 <a:defRPr/>
               </a:pPr>
-              <a:t>10/19/22</a:t>
+              <a:t>11/4/22</a:t>
             </a:fld>
             <a:endParaRPr lang="en-US"/>
           </a:p>
@@ -1980,7 +1981,7 @@
               <a:pPr>
                 <a:defRPr/>
               </a:pPr>
-              <a:t>10/19/22</a:t>
+              <a:t>11/4/22</a:t>
             </a:fld>
             <a:endParaRPr lang="en-US"/>
           </a:p>
@@ -2315,7 +2316,7 @@
               <a:pPr>
                 <a:defRPr/>
               </a:pPr>
-              <a:t>10/19/22</a:t>
+              <a:t>11/4/22</a:t>
             </a:fld>
             <a:endParaRPr lang="en-US"/>
           </a:p>
@@ -2789,7 +2790,7 @@
               <a:pPr>
                 <a:defRPr/>
               </a:pPr>
-              <a:t>10/19/22</a:t>
+              <a:t>11/4/22</a:t>
             </a:fld>
             <a:endParaRPr lang="en-US"/>
           </a:p>
@@ -2956,7 +2957,7 @@
               <a:pPr>
                 <a:defRPr/>
               </a:pPr>
-              <a:t>10/19/22</a:t>
+              <a:t>11/4/22</a:t>
             </a:fld>
             <a:endParaRPr lang="en-US"/>
           </a:p>
@@ -3101,7 +3102,7 @@
               <a:pPr>
                 <a:defRPr/>
               </a:pPr>
-              <a:t>10/19/22</a:t>
+              <a:t>11/4/22</a:t>
             </a:fld>
             <a:endParaRPr lang="en-US"/>
           </a:p>
@@ -3426,7 +3427,7 @@
               <a:pPr>
                 <a:defRPr/>
               </a:pPr>
-              <a:t>10/19/22</a:t>
+              <a:t>11/4/22</a:t>
             </a:fld>
             <a:endParaRPr lang="en-US"/>
           </a:p>
@@ -3729,7 +3730,7 @@
               <a:pPr>
                 <a:defRPr/>
               </a:pPr>
-              <a:t>10/19/22</a:t>
+              <a:t>11/4/22</a:t>
             </a:fld>
             <a:endParaRPr lang="en-US"/>
           </a:p>
@@ -4053,7 +4054,7 @@
               <a:pPr>
                 <a:defRPr/>
               </a:pPr>
-              <a:t>10/19/22</a:t>
+              <a:t>11/4/22</a:t>
             </a:fld>
             <a:endParaRPr lang="en-US"/>
           </a:p>
@@ -4892,7 +4893,7 @@
                 <a:buFontTx/>
                 <a:buNone/>
               </a:pPr>
-              <a:t>10/19/22</a:t>
+              <a:t>11/4/22</a:t>
             </a:fld>
             <a:endParaRPr lang="en-US" altLang="en-US" sz="1400"/>
           </a:p>
@@ -9633,7 +9634,7 @@
               <a:pPr>
                 <a:defRPr/>
               </a:pPr>
-              <a:t>10/19/22</a:t>
+              <a:t>11/4/22</a:t>
             </a:fld>
             <a:endParaRPr lang="en-US"/>
           </a:p>
@@ -9827,7 +9828,7 @@
               <a:pPr>
                 <a:defRPr/>
               </a:pPr>
-              <a:t>10/19/22</a:t>
+              <a:t>11/4/22</a:t>
             </a:fld>
             <a:endParaRPr lang="en-US"/>
           </a:p>
@@ -10631,6 +10632,218 @@
           </a:extLst>
         </p:spPr>
       </p:cxnSp>
+      <p:sp>
+        <p:nvSpPr>
+          <p:cNvPr id="7" name="Rounded Rectangle 8">
+            <a:extLst>
+              <a:ext uri="{FF2B5EF4-FFF2-40B4-BE49-F238E27FC236}">
+                <a16:creationId xmlns:a16="http://schemas.microsoft.com/office/drawing/2014/main" id="{758D63FC-BCA0-C57E-19CF-7D27BECA474F}"/>
+              </a:ext>
+            </a:extLst>
+          </p:cNvPr>
+          <p:cNvSpPr>
+            <a:spLocks noChangeArrowheads="1"/>
+          </p:cNvSpPr>
+          <p:nvPr/>
+        </p:nvSpPr>
+        <p:spPr bwMode="auto">
+          <a:xfrm>
+            <a:off x="793531" y="3921672"/>
+            <a:ext cx="1752600" cy="533400"/>
+          </a:xfrm>
+          <a:prstGeom prst="roundRect">
+            <a:avLst>
+              <a:gd name="adj" fmla="val 16667"/>
+            </a:avLst>
+          </a:prstGeom>
+          <a:solidFill>
+            <a:srgbClr val="92D050"/>
+          </a:solidFill>
+          <a:ln>
+            <a:noFill/>
+          </a:ln>
+        </p:spPr>
+        <p:txBody>
+          <a:bodyPr/>
+          <a:lstStyle>
+            <a:lvl1pPr>
+              <a:spcBef>
+                <a:spcPct val="20000"/>
+              </a:spcBef>
+              <a:buClr>
+                <a:schemeClr val="accent2"/>
+              </a:buClr>
+              <a:buSzPct val="75000"/>
+              <a:buFont typeface="Monotype Sorts" pitchFamily="2" charset="2"/>
+              <a:buChar char="l"/>
+              <a:defRPr sz="3200">
+                <a:solidFill>
+                  <a:schemeClr val="tx1"/>
+                </a:solidFill>
+                <a:latin typeface="Times New Roman" panose="02020603050405020304" pitchFamily="18" charset="0"/>
+                <a:ea typeface="ＭＳ Ｐゴシック" panose="020B0600070205080204" pitchFamily="34" charset="-128"/>
+              </a:defRPr>
+            </a:lvl1pPr>
+            <a:lvl2pPr marL="742950" indent="-285750">
+              <a:spcBef>
+                <a:spcPct val="20000"/>
+              </a:spcBef>
+              <a:buClr>
+                <a:schemeClr val="tx1"/>
+              </a:buClr>
+              <a:buChar char="–"/>
+              <a:defRPr sz="2800">
+                <a:solidFill>
+                  <a:schemeClr val="tx1"/>
+                </a:solidFill>
+                <a:latin typeface="Times New Roman" panose="02020603050405020304" pitchFamily="18" charset="0"/>
+                <a:ea typeface="ＭＳ Ｐゴシック" panose="020B0600070205080204" pitchFamily="34" charset="-128"/>
+              </a:defRPr>
+            </a:lvl2pPr>
+            <a:lvl3pPr marL="1143000" indent="-228600">
+              <a:spcBef>
+                <a:spcPct val="20000"/>
+              </a:spcBef>
+              <a:buClr>
+                <a:schemeClr val="accent1"/>
+              </a:buClr>
+              <a:buSzPct val="65000"/>
+              <a:buFont typeface="Monotype Sorts" pitchFamily="2" charset="2"/>
+              <a:buChar char="l"/>
+              <a:defRPr sz="2400">
+                <a:solidFill>
+                  <a:schemeClr val="tx1"/>
+                </a:solidFill>
+                <a:latin typeface="Times New Roman" panose="02020603050405020304" pitchFamily="18" charset="0"/>
+                <a:ea typeface="ＭＳ Ｐゴシック" panose="020B0600070205080204" pitchFamily="34" charset="-128"/>
+              </a:defRPr>
+            </a:lvl3pPr>
+            <a:lvl4pPr marL="1600200" indent="-228600">
+              <a:spcBef>
+                <a:spcPct val="20000"/>
+              </a:spcBef>
+              <a:buClr>
+                <a:schemeClr val="tx1"/>
+              </a:buClr>
+              <a:buChar char="–"/>
+              <a:defRPr sz="2000">
+                <a:solidFill>
+                  <a:schemeClr val="tx1"/>
+                </a:solidFill>
+                <a:latin typeface="Times New Roman" panose="02020603050405020304" pitchFamily="18" charset="0"/>
+                <a:ea typeface="ＭＳ Ｐゴシック" panose="020B0600070205080204" pitchFamily="34" charset="-128"/>
+              </a:defRPr>
+            </a:lvl4pPr>
+            <a:lvl5pPr marL="2057400" indent="-228600">
+              <a:spcBef>
+                <a:spcPct val="20000"/>
+              </a:spcBef>
+              <a:buClr>
+                <a:schemeClr val="accent1"/>
+              </a:buClr>
+              <a:buChar char="•"/>
+              <a:defRPr sz="2000">
+                <a:solidFill>
+                  <a:schemeClr val="tx1"/>
+                </a:solidFill>
+                <a:latin typeface="Times New Roman" panose="02020603050405020304" pitchFamily="18" charset="0"/>
+                <a:ea typeface="ＭＳ Ｐゴシック" panose="020B0600070205080204" pitchFamily="34" charset="-128"/>
+              </a:defRPr>
+            </a:lvl5pPr>
+            <a:lvl6pPr marL="2514600" indent="-228600" eaLnBrk="0" fontAlgn="base" hangingPunct="0">
+              <a:spcBef>
+                <a:spcPct val="20000"/>
+              </a:spcBef>
+              <a:spcAft>
+                <a:spcPct val="0"/>
+              </a:spcAft>
+              <a:buClr>
+                <a:schemeClr val="accent1"/>
+              </a:buClr>
+              <a:buChar char="•"/>
+              <a:defRPr sz="2000">
+                <a:solidFill>
+                  <a:schemeClr val="tx1"/>
+                </a:solidFill>
+                <a:latin typeface="Times New Roman" panose="02020603050405020304" pitchFamily="18" charset="0"/>
+                <a:ea typeface="ＭＳ Ｐゴシック" panose="020B0600070205080204" pitchFamily="34" charset="-128"/>
+              </a:defRPr>
+            </a:lvl6pPr>
+            <a:lvl7pPr marL="2971800" indent="-228600" eaLnBrk="0" fontAlgn="base" hangingPunct="0">
+              <a:spcBef>
+                <a:spcPct val="20000"/>
+              </a:spcBef>
+              <a:spcAft>
+                <a:spcPct val="0"/>
+              </a:spcAft>
+              <a:buClr>
+                <a:schemeClr val="accent1"/>
+              </a:buClr>
+              <a:buChar char="•"/>
+              <a:defRPr sz="2000">
+                <a:solidFill>
+                  <a:schemeClr val="tx1"/>
+                </a:solidFill>
+                <a:latin typeface="Times New Roman" panose="02020603050405020304" pitchFamily="18" charset="0"/>
+                <a:ea typeface="ＭＳ Ｐゴシック" panose="020B0600070205080204" pitchFamily="34" charset="-128"/>
+              </a:defRPr>
+            </a:lvl7pPr>
+            <a:lvl8pPr marL="3429000" indent="-228600" eaLnBrk="0" fontAlgn="base" hangingPunct="0">
+              <a:spcBef>
+                <a:spcPct val="20000"/>
+              </a:spcBef>
+              <a:spcAft>
+                <a:spcPct val="0"/>
+              </a:spcAft>
+              <a:buClr>
+                <a:schemeClr val="accent1"/>
+              </a:buClr>
+              <a:buChar char="•"/>
+              <a:defRPr sz="2000">
+                <a:solidFill>
+                  <a:schemeClr val="tx1"/>
+                </a:solidFill>
+                <a:latin typeface="Times New Roman" panose="02020603050405020304" pitchFamily="18" charset="0"/>
+                <a:ea typeface="ＭＳ Ｐゴシック" panose="020B0600070205080204" pitchFamily="34" charset="-128"/>
+              </a:defRPr>
+            </a:lvl8pPr>
+            <a:lvl9pPr marL="3886200" indent="-228600" eaLnBrk="0" fontAlgn="base" hangingPunct="0">
+              <a:spcBef>
+                <a:spcPct val="20000"/>
+              </a:spcBef>
+              <a:spcAft>
+                <a:spcPct val="0"/>
+              </a:spcAft>
+              <a:buClr>
+                <a:schemeClr val="accent1"/>
+              </a:buClr>
+              <a:buChar char="•"/>
+              <a:defRPr sz="2000">
+                <a:solidFill>
+                  <a:schemeClr val="tx1"/>
+                </a:solidFill>
+                <a:latin typeface="Times New Roman" panose="02020603050405020304" pitchFamily="18" charset="0"/>
+                <a:ea typeface="ＭＳ Ｐゴシック" panose="020B0600070205080204" pitchFamily="34" charset="-128"/>
+              </a:defRPr>
+            </a:lvl9pPr>
+          </a:lstStyle>
+          <a:p>
+            <a:pPr algn="ctr">
+              <a:spcBef>
+                <a:spcPct val="0"/>
+              </a:spcBef>
+              <a:buClrTx/>
+              <a:buSzTx/>
+              <a:buFontTx/>
+              <a:buNone/>
+            </a:pPr>
+            <a:r>
+              <a:rPr lang="en-US" altLang="en-US" sz="2400" dirty="0"/>
+              <a:t>Person</a:t>
+            </a:r>
+          </a:p>
+        </p:txBody>
+      </p:sp>
     </p:spTree>
     <p:extLst>
       <p:ext uri="{BB962C8B-B14F-4D97-AF65-F5344CB8AC3E}">
@@ -10757,7 +10970,7 @@
               <a:pPr>
                 <a:defRPr/>
               </a:pPr>
-              <a:t>10/19/22</a:t>
+              <a:t>11/4/22</a:t>
             </a:fld>
             <a:endParaRPr lang="en-US"/>
           </a:p>
@@ -10866,19 +11079,19 @@
           <a:p>
             <a:r>
               <a:rPr lang="en-US" dirty="0"/>
-              <a:t>	Object Person Rider;</a:t>
+              <a:t>	Person&amp; Rider;</a:t>
             </a:r>
           </a:p>
           <a:p>
             <a:r>
               <a:rPr lang="en-US" dirty="0"/>
-              <a:t>	Object Person Passenger;</a:t>
+              <a:t>	Person&amp; Passenger;</a:t>
             </a:r>
           </a:p>
           <a:p>
             <a:r>
-              <a:rPr lang="en-US" dirty="0"/>
-              <a:t>            Object Hybrid </a:t>
+              <a:rPr lang="en-US"/>
+              <a:t>            Hybrid&amp; </a:t>
             </a:r>
             <a:r>
               <a:rPr lang="en-US" dirty="0" err="1"/>
@@ -10901,13 +11114,8 @@
           <a:p>
             <a:r>
               <a:rPr lang="en-US" dirty="0"/>
-              <a:t>	Methods</a:t>
+              <a:t>	Methods/Interfaces</a:t>
             </a:r>
-            <a:r>
-              <a:rPr lang="en-US"/>
-              <a:t>/Interfaces</a:t>
-            </a:r>
-            <a:endParaRPr lang="en-US" dirty="0"/>
           </a:p>
         </p:txBody>
       </p:sp>
@@ -11037,7 +11245,7 @@
               <a:pPr>
                 <a:defRPr/>
               </a:pPr>
-              <a:t>10/19/22</a:t>
+              <a:t>11/4/22</a:t>
             </a:fld>
             <a:endParaRPr lang="en-US"/>
           </a:p>
@@ -11559,6 +11767,772 @@
       </p:grpSpPr>
       <p:sp>
         <p:nvSpPr>
+          <p:cNvPr id="4" name="Date Placeholder 3">
+            <a:extLst>
+              <a:ext uri="{FF2B5EF4-FFF2-40B4-BE49-F238E27FC236}">
+                <a16:creationId xmlns:a16="http://schemas.microsoft.com/office/drawing/2014/main" id="{A15D0EAC-8F31-3426-B57F-859B24CF2BF3}"/>
+              </a:ext>
+            </a:extLst>
+          </p:cNvPr>
+          <p:cNvSpPr>
+            <a:spLocks noGrp="1"/>
+          </p:cNvSpPr>
+          <p:nvPr>
+            <p:ph type="dt" sz="half" idx="10"/>
+          </p:nvPr>
+        </p:nvSpPr>
+        <p:spPr/>
+        <p:txBody>
+          <a:bodyPr/>
+          <a:lstStyle/>
+          <a:p>
+            <a:pPr>
+              <a:defRPr/>
+            </a:pPr>
+            <a:fld id="{A04D0949-53A8-6048-9F3C-517B643AD7DB}" type="datetime1">
+              <a:rPr lang="en-US" smtClean="0"/>
+              <a:pPr>
+                <a:defRPr/>
+              </a:pPr>
+              <a:t>11/4/22</a:t>
+            </a:fld>
+            <a:endParaRPr lang="en-US"/>
+          </a:p>
+        </p:txBody>
+      </p:sp>
+      <p:sp>
+        <p:nvSpPr>
+          <p:cNvPr id="5" name="Footer Placeholder 4">
+            <a:extLst>
+              <a:ext uri="{FF2B5EF4-FFF2-40B4-BE49-F238E27FC236}">
+                <a16:creationId xmlns:a16="http://schemas.microsoft.com/office/drawing/2014/main" id="{76CF9EC3-2CF3-B999-7255-B55380C4C631}"/>
+              </a:ext>
+            </a:extLst>
+          </p:cNvPr>
+          <p:cNvSpPr>
+            <a:spLocks noGrp="1"/>
+          </p:cNvSpPr>
+          <p:nvPr>
+            <p:ph type="ftr" sz="quarter" idx="11"/>
+          </p:nvPr>
+        </p:nvSpPr>
+        <p:spPr/>
+        <p:txBody>
+          <a:bodyPr/>
+          <a:lstStyle/>
+          <a:p>
+            <a:pPr>
+              <a:defRPr/>
+            </a:pPr>
+            <a:r>
+              <a:rPr lang="hu-HU"/>
+              <a:t>ecs36b, Spring 2020</a:t>
+            </a:r>
+            <a:endParaRPr lang="en-US"/>
+          </a:p>
+        </p:txBody>
+      </p:sp>
+      <p:sp>
+        <p:nvSpPr>
+          <p:cNvPr id="6" name="Slide Number Placeholder 5">
+            <a:extLst>
+              <a:ext uri="{FF2B5EF4-FFF2-40B4-BE49-F238E27FC236}">
+                <a16:creationId xmlns:a16="http://schemas.microsoft.com/office/drawing/2014/main" id="{DD6951FC-75B4-5446-C4AF-000A783D7445}"/>
+              </a:ext>
+            </a:extLst>
+          </p:cNvPr>
+          <p:cNvSpPr>
+            <a:spLocks noGrp="1"/>
+          </p:cNvSpPr>
+          <p:nvPr>
+            <p:ph type="sldNum" sz="quarter" idx="12"/>
+          </p:nvPr>
+        </p:nvSpPr>
+        <p:spPr/>
+        <p:txBody>
+          <a:bodyPr/>
+          <a:lstStyle/>
+          <a:p>
+            <a:fld id="{90796416-A864-3447-8E4D-33BA1DE16CE5}" type="slidenum">
+              <a:rPr lang="en-US" altLang="en-US" smtClean="0"/>
+              <a:pPr/>
+              <a:t>14</a:t>
+            </a:fld>
+            <a:endParaRPr lang="en-US" altLang="en-US"/>
+          </a:p>
+        </p:txBody>
+      </p:sp>
+      <p:cxnSp>
+        <p:nvCxnSpPr>
+          <p:cNvPr id="8" name="Straight Connector 7">
+            <a:extLst>
+              <a:ext uri="{FF2B5EF4-FFF2-40B4-BE49-F238E27FC236}">
+                <a16:creationId xmlns:a16="http://schemas.microsoft.com/office/drawing/2014/main" id="{DBF59992-2509-0955-97B4-1A7CBB421E0A}"/>
+              </a:ext>
+            </a:extLst>
+          </p:cNvPr>
+          <p:cNvCxnSpPr/>
+          <p:nvPr/>
+        </p:nvCxnSpPr>
+        <p:spPr bwMode="auto">
+          <a:xfrm>
+            <a:off x="879256" y="1376065"/>
+            <a:ext cx="0" cy="2819400"/>
+          </a:xfrm>
+          <a:prstGeom prst="line">
+            <a:avLst/>
+          </a:prstGeom>
+          <a:solidFill>
+            <a:schemeClr val="accent1"/>
+          </a:solidFill>
+          <a:ln w="12700" cap="flat" cmpd="sng" algn="ctr">
+            <a:solidFill>
+              <a:schemeClr val="tx1"/>
+            </a:solidFill>
+            <a:prstDash val="solid"/>
+            <a:round/>
+            <a:headEnd type="none" w="sm" len="sm"/>
+            <a:tailEnd type="none" w="sm" len="sm"/>
+          </a:ln>
+          <a:effectLst/>
+        </p:spPr>
+      </p:cxnSp>
+      <p:cxnSp>
+        <p:nvCxnSpPr>
+          <p:cNvPr id="9" name="Straight Connector 8">
+            <a:extLst>
+              <a:ext uri="{FF2B5EF4-FFF2-40B4-BE49-F238E27FC236}">
+                <a16:creationId xmlns:a16="http://schemas.microsoft.com/office/drawing/2014/main" id="{BD5E8D4E-78FF-9429-7601-06FCE83FC8C0}"/>
+              </a:ext>
+            </a:extLst>
+          </p:cNvPr>
+          <p:cNvCxnSpPr/>
+          <p:nvPr/>
+        </p:nvCxnSpPr>
+        <p:spPr bwMode="auto">
+          <a:xfrm>
+            <a:off x="4460656" y="1376065"/>
+            <a:ext cx="0" cy="2819400"/>
+          </a:xfrm>
+          <a:prstGeom prst="line">
+            <a:avLst/>
+          </a:prstGeom>
+          <a:solidFill>
+            <a:schemeClr val="accent1"/>
+          </a:solidFill>
+          <a:ln w="12700" cap="flat" cmpd="sng" algn="ctr">
+            <a:solidFill>
+              <a:schemeClr val="tx1"/>
+            </a:solidFill>
+            <a:prstDash val="solid"/>
+            <a:round/>
+            <a:headEnd type="none" w="sm" len="sm"/>
+            <a:tailEnd type="none" w="sm" len="sm"/>
+          </a:ln>
+          <a:effectLst/>
+        </p:spPr>
+      </p:cxnSp>
+      <p:cxnSp>
+        <p:nvCxnSpPr>
+          <p:cNvPr id="10" name="Straight Connector 9">
+            <a:extLst>
+              <a:ext uri="{FF2B5EF4-FFF2-40B4-BE49-F238E27FC236}">
+                <a16:creationId xmlns:a16="http://schemas.microsoft.com/office/drawing/2014/main" id="{8E19ECF9-D2AF-EA30-4EE5-A8DEB608C90A}"/>
+              </a:ext>
+            </a:extLst>
+          </p:cNvPr>
+          <p:cNvCxnSpPr/>
+          <p:nvPr/>
+        </p:nvCxnSpPr>
+        <p:spPr bwMode="auto">
+          <a:xfrm>
+            <a:off x="8042056" y="1376065"/>
+            <a:ext cx="0" cy="2819400"/>
+          </a:xfrm>
+          <a:prstGeom prst="line">
+            <a:avLst/>
+          </a:prstGeom>
+          <a:solidFill>
+            <a:schemeClr val="accent1"/>
+          </a:solidFill>
+          <a:ln w="12700" cap="flat" cmpd="sng" algn="ctr">
+            <a:solidFill>
+              <a:schemeClr val="tx1"/>
+            </a:solidFill>
+            <a:prstDash val="solid"/>
+            <a:round/>
+            <a:headEnd type="none" w="sm" len="sm"/>
+            <a:tailEnd type="none" w="sm" len="sm"/>
+          </a:ln>
+          <a:effectLst/>
+        </p:spPr>
+      </p:cxnSp>
+      <p:sp>
+        <p:nvSpPr>
+          <p:cNvPr id="12" name="TextBox 11">
+            <a:extLst>
+              <a:ext uri="{FF2B5EF4-FFF2-40B4-BE49-F238E27FC236}">
+                <a16:creationId xmlns:a16="http://schemas.microsoft.com/office/drawing/2014/main" id="{943D66C3-ACC8-C609-2D12-40D166387AEC}"/>
+              </a:ext>
+            </a:extLst>
+          </p:cNvPr>
+          <p:cNvSpPr txBox="1"/>
+          <p:nvPr/>
+        </p:nvSpPr>
+        <p:spPr>
+          <a:xfrm>
+            <a:off x="85796" y="814293"/>
+            <a:ext cx="2002471" cy="461665"/>
+          </a:xfrm>
+          <a:prstGeom prst="rect">
+            <a:avLst/>
+          </a:prstGeom>
+          <a:noFill/>
+        </p:spPr>
+        <p:txBody>
+          <a:bodyPr wrap="none" rtlCol="0">
+            <a:spAutoFit/>
+          </a:bodyPr>
+          <a:lstStyle/>
+          <a:p>
+            <a:r>
+              <a:rPr lang="en-US" dirty="0"/>
+              <a:t>Motorcycle ml</a:t>
+            </a:r>
+          </a:p>
+        </p:txBody>
+      </p:sp>
+      <p:sp>
+        <p:nvSpPr>
+          <p:cNvPr id="13" name="TextBox 12">
+            <a:extLst>
+              <a:ext uri="{FF2B5EF4-FFF2-40B4-BE49-F238E27FC236}">
+                <a16:creationId xmlns:a16="http://schemas.microsoft.com/office/drawing/2014/main" id="{5B9EF043-AC0F-1BB7-DE25-9DA1AEF14BA9}"/>
+              </a:ext>
+            </a:extLst>
+          </p:cNvPr>
+          <p:cNvSpPr txBox="1"/>
+          <p:nvPr/>
+        </p:nvSpPr>
+        <p:spPr>
+          <a:xfrm>
+            <a:off x="6858000" y="814292"/>
+            <a:ext cx="2020105" cy="461665"/>
+          </a:xfrm>
+          <a:prstGeom prst="rect">
+            <a:avLst/>
+          </a:prstGeom>
+          <a:noFill/>
+        </p:spPr>
+        <p:txBody>
+          <a:bodyPr wrap="none" rtlCol="0">
+            <a:spAutoFit/>
+          </a:bodyPr>
+          <a:lstStyle/>
+          <a:p>
+            <a:r>
+              <a:rPr lang="en-US" dirty="0"/>
+              <a:t>Motorcycle </a:t>
+            </a:r>
+            <a:r>
+              <a:rPr lang="en-US" dirty="0" err="1"/>
+              <a:t>mr</a:t>
+            </a:r>
+            <a:endParaRPr lang="en-US" dirty="0"/>
+          </a:p>
+        </p:txBody>
+      </p:sp>
+      <p:sp>
+        <p:nvSpPr>
+          <p:cNvPr id="14" name="TextBox 13">
+            <a:extLst>
+              <a:ext uri="{FF2B5EF4-FFF2-40B4-BE49-F238E27FC236}">
+                <a16:creationId xmlns:a16="http://schemas.microsoft.com/office/drawing/2014/main" id="{559D926A-B2BB-6715-D81E-BB2760B3C759}"/>
+              </a:ext>
+            </a:extLst>
+          </p:cNvPr>
+          <p:cNvSpPr txBox="1"/>
+          <p:nvPr/>
+        </p:nvSpPr>
+        <p:spPr>
+          <a:xfrm>
+            <a:off x="4020273" y="844374"/>
+            <a:ext cx="1080745" cy="461665"/>
+          </a:xfrm>
+          <a:prstGeom prst="rect">
+            <a:avLst/>
+          </a:prstGeom>
+          <a:noFill/>
+        </p:spPr>
+        <p:txBody>
+          <a:bodyPr wrap="none" rtlCol="0">
+            <a:spAutoFit/>
+          </a:bodyPr>
+          <a:lstStyle/>
+          <a:p>
+            <a:r>
+              <a:rPr lang="en-US" dirty="0"/>
+              <a:t>Car me</a:t>
+            </a:r>
+          </a:p>
+        </p:txBody>
+      </p:sp>
+      <p:sp>
+        <p:nvSpPr>
+          <p:cNvPr id="15" name="Left Arrow 14">
+            <a:extLst>
+              <a:ext uri="{FF2B5EF4-FFF2-40B4-BE49-F238E27FC236}">
+                <a16:creationId xmlns:a16="http://schemas.microsoft.com/office/drawing/2014/main" id="{6ACF11FD-416C-1B6A-405B-876784061782}"/>
+              </a:ext>
+            </a:extLst>
+          </p:cNvPr>
+          <p:cNvSpPr/>
+          <p:nvPr/>
+        </p:nvSpPr>
+        <p:spPr bwMode="auto">
+          <a:xfrm>
+            <a:off x="950202" y="1845613"/>
+            <a:ext cx="3405492" cy="140052"/>
+          </a:xfrm>
+          <a:prstGeom prst="leftArrow">
+            <a:avLst/>
+          </a:prstGeom>
+          <a:solidFill>
+            <a:schemeClr val="accent1"/>
+          </a:solidFill>
+          <a:ln w="12700" cap="flat" cmpd="sng" algn="ctr">
+            <a:solidFill>
+              <a:schemeClr val="tx1"/>
+            </a:solidFill>
+            <a:prstDash val="solid"/>
+            <a:round/>
+            <a:headEnd type="none" w="sm" len="sm"/>
+            <a:tailEnd type="none" w="sm" len="sm"/>
+          </a:ln>
+          <a:effectLst/>
+        </p:spPr>
+        <p:txBody>
+          <a:bodyPr vert="horz" wrap="square" lIns="91440" tIns="45720" rIns="91440" bIns="45720" numCol="1" rtlCol="0" anchor="t" anchorCtr="0" compatLnSpc="1">
+            <a:prstTxWarp prst="textNoShape">
+              <a:avLst/>
+            </a:prstTxWarp>
+          </a:bodyPr>
+          <a:lstStyle/>
+          <a:p>
+            <a:pPr marL="0" marR="0" indent="0" algn="l" defTabSz="914400" rtl="0" eaLnBrk="0" fontAlgn="base" latinLnBrk="0" hangingPunct="0">
+              <a:lnSpc>
+                <a:spcPct val="100000"/>
+              </a:lnSpc>
+              <a:spcBef>
+                <a:spcPct val="0"/>
+              </a:spcBef>
+              <a:spcAft>
+                <a:spcPct val="0"/>
+              </a:spcAft>
+              <a:buClrTx/>
+              <a:buSzTx/>
+              <a:buFontTx/>
+              <a:buNone/>
+              <a:tabLst/>
+            </a:pPr>
+            <a:endParaRPr kumimoji="0" lang="en-US" sz="2400" b="0" i="0" u="none" strike="noStrike" cap="none" normalizeH="0" baseline="0">
+              <a:ln>
+                <a:noFill/>
+              </a:ln>
+              <a:solidFill>
+                <a:schemeClr val="tx1"/>
+              </a:solidFill>
+              <a:effectLst/>
+              <a:latin typeface="Times New Roman" pitchFamily="1" charset="0"/>
+            </a:endParaRPr>
+          </a:p>
+        </p:txBody>
+      </p:sp>
+      <p:sp>
+        <p:nvSpPr>
+          <p:cNvPr id="16" name="TextBox 15">
+            <a:extLst>
+              <a:ext uri="{FF2B5EF4-FFF2-40B4-BE49-F238E27FC236}">
+                <a16:creationId xmlns:a16="http://schemas.microsoft.com/office/drawing/2014/main" id="{F54DC268-6BF8-1E8A-97F6-91C0472286C4}"/>
+              </a:ext>
+            </a:extLst>
+          </p:cNvPr>
+          <p:cNvSpPr txBox="1"/>
+          <p:nvPr/>
+        </p:nvSpPr>
+        <p:spPr>
+          <a:xfrm>
+            <a:off x="1572742" y="1854939"/>
+            <a:ext cx="1406154" cy="461665"/>
+          </a:xfrm>
+          <a:prstGeom prst="rect">
+            <a:avLst/>
+          </a:prstGeom>
+          <a:noFill/>
+        </p:spPr>
+        <p:txBody>
+          <a:bodyPr wrap="none" rtlCol="0">
+            <a:spAutoFit/>
+          </a:bodyPr>
+          <a:lstStyle/>
+          <a:p>
+            <a:r>
+              <a:rPr lang="en-US" dirty="0"/>
+              <a:t>Alert (…)</a:t>
+            </a:r>
+          </a:p>
+        </p:txBody>
+      </p:sp>
+      <p:sp>
+        <p:nvSpPr>
+          <p:cNvPr id="17" name="Left Arrow 16">
+            <a:extLst>
+              <a:ext uri="{FF2B5EF4-FFF2-40B4-BE49-F238E27FC236}">
+                <a16:creationId xmlns:a16="http://schemas.microsoft.com/office/drawing/2014/main" id="{5AD54700-6FDC-9D95-7CFD-5BA4A254EF92}"/>
+              </a:ext>
+            </a:extLst>
+          </p:cNvPr>
+          <p:cNvSpPr/>
+          <p:nvPr/>
+        </p:nvSpPr>
+        <p:spPr bwMode="auto">
+          <a:xfrm rot="10800000">
+            <a:off x="945300" y="2456656"/>
+            <a:ext cx="3405492" cy="140052"/>
+          </a:xfrm>
+          <a:prstGeom prst="leftArrow">
+            <a:avLst/>
+          </a:prstGeom>
+          <a:solidFill>
+            <a:schemeClr val="accent1"/>
+          </a:solidFill>
+          <a:ln w="12700" cap="flat" cmpd="sng" algn="ctr">
+            <a:solidFill>
+              <a:schemeClr val="tx1"/>
+            </a:solidFill>
+            <a:prstDash val="solid"/>
+            <a:round/>
+            <a:headEnd type="none" w="sm" len="sm"/>
+            <a:tailEnd type="none" w="sm" len="sm"/>
+          </a:ln>
+          <a:effectLst/>
+        </p:spPr>
+        <p:txBody>
+          <a:bodyPr vert="horz" wrap="square" lIns="91440" tIns="45720" rIns="91440" bIns="45720" numCol="1" rtlCol="0" anchor="t" anchorCtr="0" compatLnSpc="1">
+            <a:prstTxWarp prst="textNoShape">
+              <a:avLst/>
+            </a:prstTxWarp>
+          </a:bodyPr>
+          <a:lstStyle/>
+          <a:p>
+            <a:pPr marL="0" marR="0" indent="0" algn="l" defTabSz="914400" rtl="0" eaLnBrk="0" fontAlgn="base" latinLnBrk="0" hangingPunct="0">
+              <a:lnSpc>
+                <a:spcPct val="100000"/>
+              </a:lnSpc>
+              <a:spcBef>
+                <a:spcPct val="0"/>
+              </a:spcBef>
+              <a:spcAft>
+                <a:spcPct val="0"/>
+              </a:spcAft>
+              <a:buClrTx/>
+              <a:buSzTx/>
+              <a:buFontTx/>
+              <a:buNone/>
+              <a:tabLst/>
+            </a:pPr>
+            <a:endParaRPr kumimoji="0" lang="en-US" sz="2400" b="0" i="0" u="none" strike="noStrike" cap="none" normalizeH="0" baseline="0">
+              <a:ln>
+                <a:noFill/>
+              </a:ln>
+              <a:solidFill>
+                <a:schemeClr val="tx1"/>
+              </a:solidFill>
+              <a:effectLst/>
+              <a:latin typeface="Times New Roman" pitchFamily="1" charset="0"/>
+            </a:endParaRPr>
+          </a:p>
+        </p:txBody>
+      </p:sp>
+      <p:sp>
+        <p:nvSpPr>
+          <p:cNvPr id="18" name="TextBox 17">
+            <a:extLst>
+              <a:ext uri="{FF2B5EF4-FFF2-40B4-BE49-F238E27FC236}">
+                <a16:creationId xmlns:a16="http://schemas.microsoft.com/office/drawing/2014/main" id="{851BB7D4-FE7D-0A18-170A-8ABAE257CD1C}"/>
+              </a:ext>
+            </a:extLst>
+          </p:cNvPr>
+          <p:cNvSpPr txBox="1"/>
+          <p:nvPr/>
+        </p:nvSpPr>
+        <p:spPr>
+          <a:xfrm>
+            <a:off x="1945827" y="2474983"/>
+            <a:ext cx="2388795" cy="461665"/>
+          </a:xfrm>
+          <a:prstGeom prst="rect">
+            <a:avLst/>
+          </a:prstGeom>
+          <a:noFill/>
+        </p:spPr>
+        <p:txBody>
+          <a:bodyPr wrap="none" rtlCol="0">
+            <a:spAutoFit/>
+          </a:bodyPr>
+          <a:lstStyle/>
+          <a:p>
+            <a:r>
+              <a:rPr lang="en-US" dirty="0"/>
+              <a:t>My Situation (…)</a:t>
+            </a:r>
+          </a:p>
+        </p:txBody>
+      </p:sp>
+      <p:sp>
+        <p:nvSpPr>
+          <p:cNvPr id="20" name="TextBox 19">
+            <a:extLst>
+              <a:ext uri="{FF2B5EF4-FFF2-40B4-BE49-F238E27FC236}">
+                <a16:creationId xmlns:a16="http://schemas.microsoft.com/office/drawing/2014/main" id="{0CDB4068-5A30-4F24-1EBC-ADE87D21250A}"/>
+              </a:ext>
+            </a:extLst>
+          </p:cNvPr>
+          <p:cNvSpPr txBox="1"/>
+          <p:nvPr/>
+        </p:nvSpPr>
+        <p:spPr>
+          <a:xfrm>
+            <a:off x="4465911" y="3730057"/>
+            <a:ext cx="1584088" cy="461665"/>
+          </a:xfrm>
+          <a:prstGeom prst="rect">
+            <a:avLst/>
+          </a:prstGeom>
+          <a:noFill/>
+        </p:spPr>
+        <p:txBody>
+          <a:bodyPr wrap="none" rtlCol="0">
+            <a:spAutoFit/>
+          </a:bodyPr>
+          <a:lstStyle/>
+          <a:p>
+            <a:r>
+              <a:rPr lang="en-US" dirty="0"/>
+              <a:t>Decide(ml)</a:t>
+            </a:r>
+          </a:p>
+        </p:txBody>
+      </p:sp>
+      <p:sp>
+        <p:nvSpPr>
+          <p:cNvPr id="21" name="Left Arrow 20">
+            <a:extLst>
+              <a:ext uri="{FF2B5EF4-FFF2-40B4-BE49-F238E27FC236}">
+                <a16:creationId xmlns:a16="http://schemas.microsoft.com/office/drawing/2014/main" id="{71C1FE27-C29D-156E-68EC-5EFA2A218A39}"/>
+              </a:ext>
+            </a:extLst>
+          </p:cNvPr>
+          <p:cNvSpPr/>
+          <p:nvPr/>
+        </p:nvSpPr>
+        <p:spPr bwMode="auto">
+          <a:xfrm>
+            <a:off x="1055164" y="4420253"/>
+            <a:ext cx="3405492" cy="140052"/>
+          </a:xfrm>
+          <a:prstGeom prst="leftArrow">
+            <a:avLst/>
+          </a:prstGeom>
+          <a:solidFill>
+            <a:schemeClr val="accent1"/>
+          </a:solidFill>
+          <a:ln w="12700" cap="flat" cmpd="sng" algn="ctr">
+            <a:solidFill>
+              <a:schemeClr val="tx1"/>
+            </a:solidFill>
+            <a:prstDash val="solid"/>
+            <a:round/>
+            <a:headEnd type="none" w="sm" len="sm"/>
+            <a:tailEnd type="none" w="sm" len="sm"/>
+          </a:ln>
+          <a:effectLst/>
+        </p:spPr>
+        <p:txBody>
+          <a:bodyPr vert="horz" wrap="square" lIns="91440" tIns="45720" rIns="91440" bIns="45720" numCol="1" rtlCol="0" anchor="t" anchorCtr="0" compatLnSpc="1">
+            <a:prstTxWarp prst="textNoShape">
+              <a:avLst/>
+            </a:prstTxWarp>
+          </a:bodyPr>
+          <a:lstStyle/>
+          <a:p>
+            <a:pPr marL="0" marR="0" indent="0" algn="l" defTabSz="914400" rtl="0" eaLnBrk="0" fontAlgn="base" latinLnBrk="0" hangingPunct="0">
+              <a:lnSpc>
+                <a:spcPct val="100000"/>
+              </a:lnSpc>
+              <a:spcBef>
+                <a:spcPct val="0"/>
+              </a:spcBef>
+              <a:spcAft>
+                <a:spcPct val="0"/>
+              </a:spcAft>
+              <a:buClrTx/>
+              <a:buSzTx/>
+              <a:buFontTx/>
+              <a:buNone/>
+              <a:tabLst/>
+            </a:pPr>
+            <a:endParaRPr kumimoji="0" lang="en-US" sz="2400" b="0" i="0" u="none" strike="noStrike" cap="none" normalizeH="0" baseline="0">
+              <a:ln>
+                <a:noFill/>
+              </a:ln>
+              <a:solidFill>
+                <a:schemeClr val="tx1"/>
+              </a:solidFill>
+              <a:effectLst/>
+              <a:latin typeface="Times New Roman" pitchFamily="1" charset="0"/>
+            </a:endParaRPr>
+          </a:p>
+        </p:txBody>
+      </p:sp>
+      <p:sp>
+        <p:nvSpPr>
+          <p:cNvPr id="22" name="TextBox 21">
+            <a:extLst>
+              <a:ext uri="{FF2B5EF4-FFF2-40B4-BE49-F238E27FC236}">
+                <a16:creationId xmlns:a16="http://schemas.microsoft.com/office/drawing/2014/main" id="{9FFA1C3D-F3F0-D838-C74E-1E5EB2FFA724}"/>
+              </a:ext>
+            </a:extLst>
+          </p:cNvPr>
+          <p:cNvSpPr txBox="1"/>
+          <p:nvPr/>
+        </p:nvSpPr>
+        <p:spPr>
+          <a:xfrm>
+            <a:off x="2063729" y="3960889"/>
+            <a:ext cx="1508746" cy="461665"/>
+          </a:xfrm>
+          <a:prstGeom prst="rect">
+            <a:avLst/>
+          </a:prstGeom>
+          <a:noFill/>
+        </p:spPr>
+        <p:txBody>
+          <a:bodyPr wrap="none" rtlCol="0">
+            <a:spAutoFit/>
+          </a:bodyPr>
+          <a:lstStyle/>
+          <a:p>
+            <a:r>
+              <a:rPr lang="en-US" dirty="0"/>
+              <a:t>notify (…)</a:t>
+            </a:r>
+          </a:p>
+        </p:txBody>
+      </p:sp>
+      <p:sp>
+        <p:nvSpPr>
+          <p:cNvPr id="24" name="Left Arrow 23">
+            <a:extLst>
+              <a:ext uri="{FF2B5EF4-FFF2-40B4-BE49-F238E27FC236}">
+                <a16:creationId xmlns:a16="http://schemas.microsoft.com/office/drawing/2014/main" id="{ACADC1D3-7469-2B8D-8C52-FD91343CB9C8}"/>
+              </a:ext>
+            </a:extLst>
+          </p:cNvPr>
+          <p:cNvSpPr/>
+          <p:nvPr/>
+        </p:nvSpPr>
+        <p:spPr bwMode="auto">
+          <a:xfrm rot="10800000">
+            <a:off x="4560645" y="4648200"/>
+            <a:ext cx="3405492" cy="140052"/>
+          </a:xfrm>
+          <a:prstGeom prst="leftArrow">
+            <a:avLst/>
+          </a:prstGeom>
+          <a:solidFill>
+            <a:schemeClr val="accent1"/>
+          </a:solidFill>
+          <a:ln w="12700" cap="flat" cmpd="sng" algn="ctr">
+            <a:solidFill>
+              <a:schemeClr val="tx1"/>
+            </a:solidFill>
+            <a:prstDash val="solid"/>
+            <a:round/>
+            <a:headEnd type="none" w="sm" len="sm"/>
+            <a:tailEnd type="none" w="sm" len="sm"/>
+          </a:ln>
+          <a:effectLst/>
+        </p:spPr>
+        <p:txBody>
+          <a:bodyPr vert="horz" wrap="square" lIns="91440" tIns="45720" rIns="91440" bIns="45720" numCol="1" rtlCol="0" anchor="t" anchorCtr="0" compatLnSpc="1">
+            <a:prstTxWarp prst="textNoShape">
+              <a:avLst/>
+            </a:prstTxWarp>
+          </a:bodyPr>
+          <a:lstStyle/>
+          <a:p>
+            <a:pPr marL="0" marR="0" indent="0" algn="l" defTabSz="914400" rtl="0" eaLnBrk="0" fontAlgn="base" latinLnBrk="0" hangingPunct="0">
+              <a:lnSpc>
+                <a:spcPct val="100000"/>
+              </a:lnSpc>
+              <a:spcBef>
+                <a:spcPct val="0"/>
+              </a:spcBef>
+              <a:spcAft>
+                <a:spcPct val="0"/>
+              </a:spcAft>
+              <a:buClrTx/>
+              <a:buSzTx/>
+              <a:buFontTx/>
+              <a:buNone/>
+              <a:tabLst/>
+            </a:pPr>
+            <a:endParaRPr kumimoji="0" lang="en-US" sz="2400" b="0" i="0" u="none" strike="noStrike" cap="none" normalizeH="0" baseline="0">
+              <a:ln>
+                <a:noFill/>
+              </a:ln>
+              <a:solidFill>
+                <a:schemeClr val="tx1"/>
+              </a:solidFill>
+              <a:effectLst/>
+              <a:latin typeface="Times New Roman" pitchFamily="1" charset="0"/>
+            </a:endParaRPr>
+          </a:p>
+        </p:txBody>
+      </p:sp>
+    </p:spTree>
+    <p:extLst>
+      <p:ext uri="{BB962C8B-B14F-4D97-AF65-F5344CB8AC3E}">
+        <p14:creationId xmlns:p14="http://schemas.microsoft.com/office/powerpoint/2010/main" val="1373538482"/>
+      </p:ext>
+    </p:extLst>
+  </p:cSld>
+  <p:clrMapOvr>
+    <a:masterClrMapping/>
+  </p:clrMapOvr>
+</p:sld>
+</file>
+
+<file path=ppt/slides/slide15.xml><?xml version="1.0" encoding="utf-8"?>
+<p:sld xmlns:a="http://schemas.openxmlformats.org/drawingml/2006/main" xmlns:r="http://schemas.openxmlformats.org/officeDocument/2006/relationships" xmlns:p="http://schemas.openxmlformats.org/presentationml/2006/main">
+  <p:cSld>
+    <p:spTree>
+      <p:nvGrpSpPr>
+        <p:cNvPr id="1" name=""/>
+        <p:cNvGrpSpPr/>
+        <p:nvPr/>
+      </p:nvGrpSpPr>
+      <p:grpSpPr>
+        <a:xfrm>
+          <a:off x="0" y="0"/>
+          <a:ext cx="0" cy="0"/>
+          <a:chOff x="0" y="0"/>
+          <a:chExt cx="0" cy="0"/>
+        </a:xfrm>
+      </p:grpSpPr>
+      <p:sp>
+        <p:nvSpPr>
           <p:cNvPr id="2" name="Title 1">
             <a:extLst>
               <a:ext uri="{FF2B5EF4-FFF2-40B4-BE49-F238E27FC236}">
@@ -11642,7 +12616,7 @@
               <a:pPr>
                 <a:defRPr/>
               </a:pPr>
-              <a:t>10/19/22</a:t>
+              <a:t>11/4/22</a:t>
             </a:fld>
             <a:endParaRPr lang="en-US"/>
           </a:p>
@@ -11704,7 +12678,7 @@
             <a:fld id="{90796416-A864-3447-8E4D-33BA1DE16CE5}" type="slidenum">
               <a:rPr lang="en-US" altLang="en-US" smtClean="0"/>
               <a:pPr/>
-              <a:t>14</a:t>
+              <a:t>15</a:t>
             </a:fld>
             <a:endParaRPr lang="en-US" altLang="en-US"/>
           </a:p>
@@ -11797,7 +12771,7 @@
               <a:pPr>
                 <a:defRPr/>
               </a:pPr>
-              <a:t>10/19/22</a:t>
+              <a:t>11/4/22</a:t>
             </a:fld>
             <a:endParaRPr lang="en-US"/>
           </a:p>
@@ -12927,7 +13901,7 @@
               <a:pPr>
                 <a:defRPr/>
               </a:pPr>
-              <a:t>10/19/22</a:t>
+              <a:t>11/4/22</a:t>
             </a:fld>
             <a:endParaRPr lang="en-US"/>
           </a:p>
